--- a/docs/Autolayout experience 2.pptx
+++ b/docs/Autolayout experience 2.pptx
@@ -9064,8 +9064,8 @@
       </p:par>
     </p:tnLst>
     <p:bldLst>
+      <p:bldP build="whole" bldLvl="1" animBg="1" rev="0" advAuto="0" spid="112" grpId="3"/>
       <p:bldP build="whole" bldLvl="1" animBg="1" rev="0" advAuto="0" spid="111" grpId="1"/>
-      <p:bldP build="whole" bldLvl="1" animBg="1" rev="0" advAuto="0" spid="112" grpId="3"/>
       <p:bldP build="whole" bldLvl="1" animBg="1" rev="0" advAuto="0" spid="112" grpId="2"/>
     </p:bldLst>
   </p:timing>
@@ -9658,8 +9658,8 @@
       </p:par>
     </p:tnLst>
     <p:bldLst>
+      <p:bldP build="whole" bldLvl="1" animBg="1" rev="0" advAuto="0" spid="124" grpId="1"/>
       <p:bldP build="whole" bldLvl="1" animBg="1" rev="0" advAuto="0" spid="124" grpId="2"/>
-      <p:bldP build="whole" bldLvl="1" animBg="1" rev="0" advAuto="0" spid="124" grpId="1"/>
     </p:bldLst>
   </p:timing>
 </p:sld>
@@ -9951,8 +9951,8 @@
       </p:par>
     </p:tnLst>
     <p:bldLst>
+      <p:bldP build="whole" bldLvl="1" animBg="1" rev="0" advAuto="0" spid="130" grpId="2"/>
       <p:bldP build="whole" bldLvl="1" animBg="1" rev="0" advAuto="0" spid="129" grpId="1"/>
-      <p:bldP build="whole" bldLvl="1" animBg="1" rev="0" advAuto="0" spid="130" grpId="2"/>
     </p:bldLst>
   </p:timing>
 </p:sld>
@@ -11428,8 +11428,8 @@
       </p:par>
     </p:tnLst>
     <p:bldLst>
+      <p:bldP build="p" bldLvl="5" animBg="1" rev="0" advAuto="0" spid="30" grpId="2"/>
       <p:bldP build="whole" bldLvl="1" animBg="1" rev="0" advAuto="0" spid="29" grpId="1"/>
-      <p:bldP build="p" bldLvl="5" animBg="1" rev="0" advAuto="0" spid="30" grpId="2"/>
     </p:bldLst>
   </p:timing>
 </p:sld>
@@ -12334,9 +12334,9 @@
       </p:par>
     </p:tnLst>
     <p:bldLst>
+      <p:bldP build="whole" bldLvl="1" animBg="1" rev="0" advAuto="0" spid="150" grpId="3"/>
+      <p:bldP build="whole" bldLvl="1" animBg="1" rev="0" advAuto="0" spid="150" grpId="2"/>
       <p:bldP build="whole" bldLvl="1" animBg="1" rev="0" advAuto="0" spid="149" grpId="1"/>
-      <p:bldP build="whole" bldLvl="1" animBg="1" rev="0" advAuto="0" spid="150" grpId="2"/>
-      <p:bldP build="whole" bldLvl="1" animBg="1" rev="0" advAuto="0" spid="150" grpId="3"/>
     </p:bldLst>
   </p:timing>
 </p:sld>
@@ -12786,8 +12786,8 @@
     </p:tnLst>
     <p:bldLst>
       <p:bldP build="whole" bldLvl="1" animBg="1" rev="0" advAuto="0" spid="158" grpId="3"/>
+      <p:bldP build="whole" bldLvl="1" animBg="1" rev="0" advAuto="0" spid="158" grpId="2"/>
       <p:bldP build="whole" bldLvl="1" animBg="1" rev="0" advAuto="0" spid="156" grpId="1"/>
-      <p:bldP build="whole" bldLvl="1" animBg="1" rev="0" advAuto="0" spid="158" grpId="2"/>
     </p:bldLst>
   </p:timing>
 </p:sld>
@@ -13236,9 +13236,9 @@
       </p:par>
     </p:tnLst>
     <p:bldLst>
+      <p:bldP build="whole" bldLvl="1" animBg="1" rev="0" advAuto="0" spid="164" grpId="1"/>
       <p:bldP build="whole" bldLvl="1" animBg="1" rev="0" advAuto="0" spid="166" grpId="2"/>
       <p:bldP build="whole" bldLvl="1" animBg="1" rev="0" advAuto="0" spid="166" grpId="3"/>
-      <p:bldP build="whole" bldLvl="1" animBg="1" rev="0" advAuto="0" spid="164" grpId="1"/>
     </p:bldLst>
   </p:timing>
 </p:sld>
@@ -13687,9 +13687,9 @@
       </p:par>
     </p:tnLst>
     <p:bldLst>
+      <p:bldP build="whole" bldLvl="1" animBg="1" rev="0" advAuto="0" spid="174" grpId="2"/>
       <p:bldP build="whole" bldLvl="1" animBg="1" rev="0" advAuto="0" spid="174" grpId="3"/>
       <p:bldP build="whole" bldLvl="1" animBg="1" rev="0" advAuto="0" spid="172" grpId="1"/>
-      <p:bldP build="whole" bldLvl="1" animBg="1" rev="0" advAuto="0" spid="174" grpId="2"/>
     </p:bldLst>
   </p:timing>
 </p:sld>
@@ -14142,8 +14142,8 @@
       </p:par>
     </p:tnLst>
     <p:bldLst>
+      <p:bldP build="whole" bldLvl="1" animBg="1" rev="0" advAuto="0" spid="180" grpId="1"/>
       <p:bldP build="whole" bldLvl="1" animBg="1" rev="0" advAuto="0" spid="182" grpId="2"/>
-      <p:bldP build="whole" bldLvl="1" animBg="1" rev="0" advAuto="0" spid="180" grpId="1"/>
       <p:bldP build="whole" bldLvl="1" animBg="1" rev="0" advAuto="0" spid="182" grpId="3"/>
     </p:bldLst>
   </p:timing>
@@ -16454,9 +16454,9 @@
       </p:par>
     </p:tnLst>
     <p:bldLst>
-      <p:bldP build="whole" bldLvl="1" animBg="1" rev="0" advAuto="0" spid="36" grpId="2"/>
       <p:bldP build="whole" bldLvl="1" animBg="1" rev="0" advAuto="0" spid="37" grpId="3"/>
       <p:bldP build="whole" bldLvl="1" animBg="1" rev="0" advAuto="0" spid="35" grpId="1"/>
+      <p:bldP build="whole" bldLvl="1" animBg="1" rev="0" advAuto="0" spid="36" grpId="2"/>
     </p:bldLst>
   </p:timing>
 </p:sld>
@@ -16556,7 +16556,7 @@
                   <a:srgbClr val="FFD800"/>
                 </a:solidFill>
               </a:rPr>
-              <a:t>obj_c_exception_throw</a:t>
+              <a:t>objc_exception_throw</a:t>
             </a:r>
             <a:endParaRPr sz="2500">
               <a:solidFill>
@@ -17754,8 +17754,8 @@
       </p:par>
     </p:tnLst>
     <p:bldLst>
+      <p:bldP build="p" bldLvl="1" animBg="1" rev="0" advAuto="0" spid="218" grpId="1"/>
       <p:bldP build="whole" bldLvl="1" animBg="1" rev="0" advAuto="0" spid="219" grpId="2"/>
-      <p:bldP build="p" bldLvl="1" animBg="1" rev="0" advAuto="0" spid="218" grpId="1"/>
     </p:bldLst>
   </p:timing>
 </p:sld>
@@ -19266,12 +19266,12 @@
       </p:par>
     </p:tnLst>
     <p:bldLst>
+      <p:bldP build="whole" bldLvl="1" animBg="1" rev="0" advAuto="0" spid="231" grpId="2"/>
+      <p:bldP build="whole" bldLvl="1" animBg="1" rev="0" advAuto="0" spid="233" grpId="5"/>
       <p:bldP build="whole" bldLvl="1" animBg="1" rev="0" advAuto="0" spid="231" grpId="4"/>
+      <p:bldP build="whole" bldLvl="1" animBg="1" rev="0" advAuto="0" spid="234" grpId="6"/>
+      <p:bldP build="whole" bldLvl="1" animBg="1" rev="0" advAuto="0" spid="234" grpId="1"/>
       <p:bldP build="whole" bldLvl="1" animBg="1" rev="0" advAuto="0" spid="233" grpId="3"/>
-      <p:bldP build="whole" bldLvl="1" animBg="1" rev="0" advAuto="0" spid="234" grpId="1"/>
-      <p:bldP build="whole" bldLvl="1" animBg="1" rev="0" advAuto="0" spid="233" grpId="5"/>
-      <p:bldP build="whole" bldLvl="1" animBg="1" rev="0" advAuto="0" spid="234" grpId="6"/>
-      <p:bldP build="whole" bldLvl="1" animBg="1" rev="0" advAuto="0" spid="231" grpId="2"/>
     </p:bldLst>
   </p:timing>
 </p:sld>
@@ -19997,9 +19997,9 @@
       </p:par>
     </p:tnLst>
     <p:bldLst>
-      <p:bldP build="whole" bldLvl="1" animBg="1" rev="0" advAuto="0" spid="42" grpId="1"/>
       <p:bldP build="whole" bldLvl="1" animBg="1" rev="0" advAuto="0" spid="44" grpId="2"/>
       <p:bldP build="whole" bldLvl="1" animBg="1" rev="0" advAuto="0" spid="43" grpId="3"/>
+      <p:bldP build="whole" bldLvl="1" animBg="1" rev="0" advAuto="0" spid="42" grpId="1"/>
     </p:bldLst>
   </p:timing>
 </p:sld>
@@ -20412,9 +20412,9 @@
       </p:par>
     </p:tnLst>
     <p:bldLst>
-      <p:bldP build="whole" bldLvl="1" animBg="1" rev="0" advAuto="0" spid="51" grpId="2"/>
       <p:bldP build="whole" bldLvl="1" animBg="1" rev="0" advAuto="0" spid="50" grpId="3"/>
       <p:bldP build="whole" bldLvl="1" animBg="1" rev="0" advAuto="0" spid="49" grpId="1"/>
+      <p:bldP build="whole" bldLvl="1" animBg="1" rev="0" advAuto="0" spid="51" grpId="2"/>
     </p:bldLst>
   </p:timing>
 </p:sld>
@@ -22721,8 +22721,8 @@
     </p:tnLst>
     <p:bldLst>
       <p:bldP build="p" bldLvl="5" animBg="1" rev="0" advAuto="0" spid="66" grpId="1"/>
+      <p:bldP build="p" bldLvl="5" animBg="1" rev="0" advAuto="0" spid="68" grpId="3"/>
       <p:bldP build="whole" bldLvl="1" animBg="1" rev="0" advAuto="0" spid="67" grpId="2"/>
-      <p:bldP build="p" bldLvl="5" animBg="1" rev="0" advAuto="0" spid="68" grpId="3"/>
     </p:bldLst>
   </p:timing>
 </p:sld>
